--- a/Discussions/FeatureScript Demo.pptx
+++ b/Discussions/FeatureScript Demo.pptx
@@ -926,7 +926,7 @@
                 </a:solidFill>
               </a:rPr>
               <a:pPr/>
-              <a:t>1/12/2023</a:t>
+              <a:t>1/18/2023</a:t>
             </a:fld>
             <a:endParaRPr lang="en-US">
               <a:solidFill>
@@ -1167,7 +1167,7 @@
                 </a:solidFill>
               </a:rPr>
               <a:pPr/>
-              <a:t>1/12/2023</a:t>
+              <a:t>1/18/2023</a:t>
             </a:fld>
             <a:endParaRPr lang="en-US">
               <a:solidFill>
@@ -1490,7 +1490,7 @@
                 </a:solidFill>
               </a:rPr>
               <a:pPr/>
-              <a:t>1/12/2023</a:t>
+              <a:t>1/18/2023</a:t>
             </a:fld>
             <a:endParaRPr lang="en-US">
               <a:solidFill>
@@ -1951,7 +1951,7 @@
                 </a:solidFill>
               </a:rPr>
               <a:pPr/>
-              <a:t>1/12/2023</a:t>
+              <a:t>1/18/2023</a:t>
             </a:fld>
             <a:endParaRPr lang="en-US">
               <a:solidFill>
@@ -2105,7 +2105,7 @@
                 </a:solidFill>
               </a:rPr>
               <a:pPr/>
-              <a:t>1/12/2023</a:t>
+              <a:t>1/18/2023</a:t>
             </a:fld>
             <a:endParaRPr lang="en-US">
               <a:solidFill>
@@ -2237,7 +2237,7 @@
                 </a:solidFill>
               </a:rPr>
               <a:pPr/>
-              <a:t>1/12/2023</a:t>
+              <a:t>1/18/2023</a:t>
             </a:fld>
             <a:endParaRPr lang="en-US">
               <a:solidFill>
@@ -2557,7 +2557,7 @@
           <a:p>
             <a:fld id="{216E0E02-55D8-4A62-964B-783B05293A72}" type="datetimeFigureOut">
               <a:rPr lang="es-HN" smtClean="0"/>
-              <a:t>12/1/2023</a:t>
+              <a:t>18/1/2023</a:t>
             </a:fld>
             <a:endParaRPr lang="es-HN"/>
           </a:p>
@@ -2812,7 +2812,7 @@
                 <a:cs typeface="Arial" charset="0"/>
               </a:rPr>
               <a:pPr eaLnBrk="1" hangingPunct="1"/>
-              <a:t>1/12/2023</a:t>
+              <a:t>1/18/2023</a:t>
             </a:fld>
             <a:endParaRPr lang="en-US">
               <a:solidFill>
@@ -3436,7 +3436,7 @@
           <a:p>
             <a:r>
               <a:rPr lang="en-US" dirty="0"/>
-              <a:t>Demo</a:t>
+              <a:t>Demo 2</a:t>
             </a:r>
           </a:p>
         </p:txBody>
@@ -3464,19 +3464,13 @@
           <a:p>
             <a:r>
               <a:rPr lang="en-US" dirty="0"/>
-              <a:t>Start with a design challenge template</a:t>
+              <a:t>Take the head loss demo</a:t>
             </a:r>
           </a:p>
           <a:p>
             <a:r>
               <a:rPr lang="en-US" dirty="0"/>
-              <a:t>The feature list is just code being executed </a:t>
-            </a:r>
-          </a:p>
-          <a:p>
-            <a:r>
-              <a:rPr lang="en-US" dirty="0"/>
-              <a:t>Placing the feature in a part studio is the only way to execute </a:t>
+              <a:t>Add </a:t>
             </a:r>
             <a:r>
               <a:rPr lang="en-US" dirty="0" err="1"/>
@@ -3485,47 +3479,36 @@
             <a:endParaRPr lang="en-US" dirty="0"/>
           </a:p>
           <a:p>
+            <a:pPr lvl="1"/>
             <a:r>
               <a:rPr lang="en-US" dirty="0"/>
-              <a:t>Define a new variable in the design map</a:t>
-            </a:r>
-          </a:p>
-          <a:p>
+              <a:t>Calculate tank L and W based on residence time and tank H</a:t>
+            </a:r>
+          </a:p>
+          <a:p>
+            <a:pPr lvl="1"/>
             <a:r>
               <a:rPr lang="en-US" dirty="0"/>
-              <a:t>Monitor the Part Studio to show errors</a:t>
+              <a:t>Add FB as input</a:t>
             </a:r>
           </a:p>
           <a:p>
             <a:r>
               <a:rPr lang="en-US" dirty="0"/>
-              <a:t>Use the </a:t>
-            </a:r>
-            <a:r>
-              <a:rPr lang="en-US" dirty="0" err="1"/>
-              <a:t>featurescript</a:t>
-            </a:r>
+              <a:t>Replace constants in tank features with variables</a:t>
+            </a:r>
+          </a:p>
+          <a:p>
             <a:r>
               <a:rPr lang="en-US" dirty="0"/>
-              <a:t> notices to track errors</a:t>
+              <a:t>Show how a calculated value changes the model</a:t>
             </a:r>
           </a:p>
           <a:p>
             <a:r>
               <a:rPr lang="en-US" dirty="0"/>
-              <a:t>Show how a variable can be used in any subsequent feature</a:t>
-            </a:r>
-          </a:p>
-          <a:p>
-            <a:r>
-              <a:rPr lang="en-US" dirty="0"/>
-              <a:t>Break the code by changing a </a:t>
-            </a:r>
-            <a:r>
-              <a:rPr lang="en-US"/>
-              <a:t>variable name</a:t>
-            </a:r>
-            <a:endParaRPr lang="en-US" dirty="0"/>
+              <a:t>Introduce overrides</a:t>
+            </a:r>
           </a:p>
         </p:txBody>
       </p:sp>
